--- a/ppt/text.pptx
+++ b/ppt/text.pptx
@@ -8,10 +8,11 @@
     <p:notesMasterId r:id="rId4"/>
   </p:notesMasterIdLst>
   <p:handoutMasterIdLst>
-    <p:handoutMasterId r:id="rId5"/>
+    <p:handoutMasterId r:id="rId6"/>
   </p:handoutMasterIdLst>
   <p:sldIdLst>
     <p:sldId id="256" r:id="rId3"/>
+    <p:sldId id="257" r:id="rId5"/>
   </p:sldIdLst>
   <p:sldSz cx="12192000" cy="6858000"/>
   <p:notesSz cx="7103745" cy="10234295"/>
@@ -3228,7 +3229,7 @@
         <a:spcBef>
           <a:spcPts val="1000"/>
         </a:spcBef>
-        <a:buFont typeface="Arial" panose="020B0604020202020204" pitchFamily="34" charset="0"/>
+        <a:buFont typeface="Arial" panose="020B0604020202090204" pitchFamily="34" charset="0"/>
         <a:buChar char="•"/>
         <a:defRPr sz="2800" kern="1200">
           <a:solidFill>
@@ -3246,7 +3247,7 @@
         <a:spcBef>
           <a:spcPts val="500"/>
         </a:spcBef>
-        <a:buFont typeface="Arial" panose="020B0604020202020204" pitchFamily="34" charset="0"/>
+        <a:buFont typeface="Arial" panose="020B0604020202090204" pitchFamily="34" charset="0"/>
         <a:buChar char="•"/>
         <a:defRPr sz="2400" kern="1200">
           <a:solidFill>
@@ -3264,7 +3265,7 @@
         <a:spcBef>
           <a:spcPts val="500"/>
         </a:spcBef>
-        <a:buFont typeface="Arial" panose="020B0604020202020204" pitchFamily="34" charset="0"/>
+        <a:buFont typeface="Arial" panose="020B0604020202090204" pitchFamily="34" charset="0"/>
         <a:buChar char="•"/>
         <a:defRPr sz="2000" kern="1200">
           <a:solidFill>
@@ -3282,7 +3283,7 @@
         <a:spcBef>
           <a:spcPts val="500"/>
         </a:spcBef>
-        <a:buFont typeface="Arial" panose="020B0604020202020204" pitchFamily="34" charset="0"/>
+        <a:buFont typeface="Arial" panose="020B0604020202090204" pitchFamily="34" charset="0"/>
         <a:buChar char="•"/>
         <a:defRPr sz="1800" kern="1200">
           <a:solidFill>
@@ -3300,7 +3301,7 @@
         <a:spcBef>
           <a:spcPts val="500"/>
         </a:spcBef>
-        <a:buFont typeface="Arial" panose="020B0604020202020204" pitchFamily="34" charset="0"/>
+        <a:buFont typeface="Arial" panose="020B0604020202090204" pitchFamily="34" charset="0"/>
         <a:buChar char="•"/>
         <a:defRPr sz="1800" kern="1200">
           <a:solidFill>
@@ -3318,7 +3319,7 @@
         <a:spcBef>
           <a:spcPts val="500"/>
         </a:spcBef>
-        <a:buFont typeface="Arial" panose="020B0604020202020204" pitchFamily="34" charset="0"/>
+        <a:buFont typeface="Arial" panose="020B0604020202090204" pitchFamily="34" charset="0"/>
         <a:buChar char="•"/>
         <a:defRPr sz="1800" kern="1200">
           <a:solidFill>
@@ -3336,7 +3337,7 @@
         <a:spcBef>
           <a:spcPts val="500"/>
         </a:spcBef>
-        <a:buFont typeface="Arial" panose="020B0604020202020204" pitchFamily="34" charset="0"/>
+        <a:buFont typeface="Arial" panose="020B0604020202090204" pitchFamily="34" charset="0"/>
         <a:buChar char="•"/>
         <a:defRPr sz="1800" kern="1200">
           <a:solidFill>
@@ -3354,7 +3355,7 @@
         <a:spcBef>
           <a:spcPts val="500"/>
         </a:spcBef>
-        <a:buFont typeface="Arial" panose="020B0604020202020204" pitchFamily="34" charset="0"/>
+        <a:buFont typeface="Arial" panose="020B0604020202090204" pitchFamily="34" charset="0"/>
         <a:buChar char="•"/>
         <a:defRPr sz="1800" kern="1200">
           <a:solidFill>
@@ -3372,7 +3373,7 @@
         <a:spcBef>
           <a:spcPts val="500"/>
         </a:spcBef>
-        <a:buFont typeface="Arial" panose="020B0604020202020204" pitchFamily="34" charset="0"/>
+        <a:buFont typeface="Arial" panose="020B0604020202090204" pitchFamily="34" charset="0"/>
         <a:buChar char="•"/>
         <a:defRPr sz="1800" kern="1200">
           <a:solidFill>
@@ -3523,11 +3524,7 @@
           <a:p>
             <a:r>
               <a:rPr lang="zh-CN" altLang="en-US"/>
-              <a:t>测试文本输入</a:t>
-            </a:r>
-            <a:r>
-              <a:rPr lang="zh-CN" altLang="en-US"/>
-              <a:t>框</a:t>
+              <a:t>测试文本输入框</a:t>
             </a:r>
             <a:endParaRPr lang="zh-CN" altLang="en-US"/>
           </a:p>
@@ -3633,6 +3630,68 @@
                 <a:srgbClr val="FF0000"/>
               </a:solidFill>
             </a:endParaRPr>
+          </a:p>
+        </p:txBody>
+      </p:sp>
+    </p:spTree>
+  </p:cSld>
+  <p:clrMapOvr>
+    <a:masterClrMapping/>
+  </p:clrMapOvr>
+</p:sld>
+</file>
+
+<file path=ppt/slides/slide2.xml><?xml version="1.0" encoding="utf-8"?>
+<p:sld xmlns:a="http://schemas.openxmlformats.org/drawingml/2006/main" xmlns:r="http://schemas.openxmlformats.org/officeDocument/2006/relationships" xmlns:p="http://schemas.openxmlformats.org/presentationml/2006/main">
+  <p:cSld>
+    <p:spTree>
+      <p:nvGrpSpPr>
+        <p:cNvPr id="1" name=""/>
+        <p:cNvGrpSpPr/>
+        <p:nvPr/>
+      </p:nvGrpSpPr>
+      <p:grpSpPr/>
+      <p:sp>
+        <p:nvSpPr>
+          <p:cNvPr id="2" name="标题 1"/>
+          <p:cNvSpPr>
+            <a:spLocks noGrp="1"/>
+          </p:cNvSpPr>
+          <p:nvPr>
+            <p:ph type="title"/>
+          </p:nvPr>
+        </p:nvSpPr>
+        <p:spPr/>
+        <p:txBody>
+          <a:bodyPr/>
+          <a:p>
+            <a:r>
+              <a:rPr lang="zh-CN" altLang="en-US"/>
+              <a:t>标题</a:t>
+            </a:r>
+            <a:endParaRPr lang="zh-CN" altLang="en-US"/>
+          </a:p>
+        </p:txBody>
+      </p:sp>
+      <p:sp>
+        <p:nvSpPr>
+          <p:cNvPr id="3" name="内容占位符 2"/>
+          <p:cNvSpPr>
+            <a:spLocks noGrp="1"/>
+          </p:cNvSpPr>
+          <p:nvPr>
+            <p:ph idx="1"/>
+          </p:nvPr>
+        </p:nvSpPr>
+        <p:spPr/>
+        <p:txBody>
+          <a:bodyPr/>
+          <a:p>
+            <a:r>
+              <a:rPr lang="zh-CN" altLang="en-US"/>
+              <a:t>内容</a:t>
+            </a:r>
+            <a:endParaRPr lang="zh-CN" altLang="en-US"/>
           </a:p>
         </p:txBody>
       </p:sp>
